--- a/img/kyverno-notation-aws.pptx
+++ b/img/kyverno-notation-aws.pptx
@@ -4080,7 +4080,7 @@
         </p:nvSpPr>
         <p:spPr bwMode="auto">
           <a:xfrm>
-            <a:off x="9636550" y="3240804"/>
+            <a:off x="10071447" y="2629145"/>
             <a:ext cx="1377237" cy="400110"/>
           </a:xfrm>
           <a:prstGeom prst="rect">
@@ -4138,7 +4138,7 @@
         </p:blipFill>
         <p:spPr>
           <a:xfrm>
-            <a:off x="9895277" y="2425456"/>
+            <a:off x="10330174" y="1813797"/>
             <a:ext cx="815348" cy="815348"/>
           </a:xfrm>
           <a:prstGeom prst="rect">
@@ -4162,7 +4162,7 @@
         </p:nvSpPr>
         <p:spPr bwMode="auto">
           <a:xfrm>
-            <a:off x="5973567" y="2636930"/>
+            <a:off x="6408464" y="2025271"/>
             <a:ext cx="2957434" cy="388696"/>
           </a:xfrm>
           <a:prstGeom prst="rect">
@@ -4221,7 +4221,7 @@
         </p:blipFill>
         <p:spPr bwMode="auto">
           <a:xfrm>
-            <a:off x="9926832" y="4176448"/>
+            <a:off x="10361729" y="3564789"/>
             <a:ext cx="815348" cy="815348"/>
           </a:xfrm>
           <a:prstGeom prst="rect">
@@ -4268,7 +4268,7 @@
         </p:nvSpPr>
         <p:spPr bwMode="auto">
           <a:xfrm>
-            <a:off x="9617161" y="4991796"/>
+            <a:off x="10052058" y="4380137"/>
             <a:ext cx="1482457" cy="400110"/>
           </a:xfrm>
           <a:prstGeom prst="rect">
@@ -4328,7 +4328,7 @@
         </p:blipFill>
         <p:spPr bwMode="auto">
           <a:xfrm>
-            <a:off x="3277237" y="3214737"/>
+            <a:off x="3286180" y="2595196"/>
             <a:ext cx="1363855" cy="1363855"/>
           </a:xfrm>
           <a:prstGeom prst="rect">
@@ -4360,7 +4360,7 @@
         </p:nvSpPr>
         <p:spPr>
           <a:xfrm>
-            <a:off x="2894215" y="4590242"/>
+            <a:off x="2748940" y="3962570"/>
             <a:ext cx="2447337" cy="400110"/>
           </a:xfrm>
           <a:prstGeom prst="rect">
@@ -4423,8 +4423,8 @@
         </p:blipFill>
         <p:spPr bwMode="auto">
           <a:xfrm>
-            <a:off x="6654446" y="3371967"/>
-            <a:ext cx="1118029" cy="1118029"/>
+            <a:off x="7089343" y="2760308"/>
+            <a:ext cx="1198743" cy="1198743"/>
           </a:xfrm>
           <a:prstGeom prst="rect">
             <a:avLst/>
@@ -4443,68 +4443,20 @@
       </p:pic>
       <p:sp>
         <p:nvSpPr>
-          <p:cNvPr id="11" name="TextBox 10">
-            <a:extLst>
-              <a:ext uri="{FF2B5EF4-FFF2-40B4-BE49-F238E27FC236}">
-                <a16:creationId xmlns:a16="http://schemas.microsoft.com/office/drawing/2014/main" id="{788A6BC4-1EC5-B966-EA58-B94B9EC91BC6}"/>
-              </a:ext>
-            </a:extLst>
-          </p:cNvPr>
-          <p:cNvSpPr txBox="1"/>
+          <p:cNvPr id="12" name="Rectangle 11">
+            <a:extLst>
+              <a:ext uri="{FF2B5EF4-FFF2-40B4-BE49-F238E27FC236}">
+                <a16:creationId xmlns:a16="http://schemas.microsoft.com/office/drawing/2014/main" id="{1DDB74B8-7C44-C7AA-67A6-D2B1E678E34A}"/>
+              </a:ext>
+            </a:extLst>
+          </p:cNvPr>
+          <p:cNvSpPr/>
           <p:nvPr/>
         </p:nvSpPr>
         <p:spPr>
           <a:xfrm>
-            <a:off x="6262361" y="4578592"/>
-            <a:ext cx="2160079" cy="400110"/>
-          </a:xfrm>
-          <a:prstGeom prst="rect">
-            <a:avLst/>
-          </a:prstGeom>
-          <a:noFill/>
-        </p:spPr>
-        <p:txBody>
-          <a:bodyPr wrap="none" rtlCol="0">
-            <a:spAutoFit/>
-          </a:bodyPr>
-          <a:lstStyle/>
-          <a:p>
-            <a:pPr defTabSz="978408">
-              <a:spcAft>
-                <a:spcPts val="600"/>
-              </a:spcAft>
-            </a:pPr>
-            <a:r>
-              <a:rPr lang="en-US" sz="2000" kern="1200" dirty="0">
-                <a:solidFill>
-                  <a:schemeClr val="tx1"/>
-                </a:solidFill>
-                <a:latin typeface="+mn-lt"/>
-                <a:ea typeface="+mn-ea"/>
-                <a:cs typeface="+mn-cs"/>
-              </a:rPr>
-              <a:t>Nirmata Extension </a:t>
-            </a:r>
-            <a:endParaRPr lang="en-US" sz="2000" dirty="0"/>
-          </a:p>
-        </p:txBody>
-      </p:sp>
-      <p:sp>
-        <p:nvSpPr>
-          <p:cNvPr id="12" name="Rectangle 11">
-            <a:extLst>
-              <a:ext uri="{FF2B5EF4-FFF2-40B4-BE49-F238E27FC236}">
-                <a16:creationId xmlns:a16="http://schemas.microsoft.com/office/drawing/2014/main" id="{1DDB74B8-7C44-C7AA-67A6-D2B1E678E34A}"/>
-              </a:ext>
-            </a:extLst>
-          </p:cNvPr>
-          <p:cNvSpPr/>
-          <p:nvPr/>
-        </p:nvSpPr>
-        <p:spPr>
-          <a:xfrm>
-            <a:off x="2489407" y="2314800"/>
-            <a:ext cx="5963217" cy="2899815"/>
+            <a:off x="2620536" y="1703141"/>
+            <a:ext cx="6266985" cy="3905923"/>
           </a:xfrm>
           <a:prstGeom prst="rect">
             <a:avLst/>
@@ -4569,7 +4521,7 @@
         </p:blipFill>
         <p:spPr bwMode="auto">
           <a:xfrm>
-            <a:off x="7044610" y="1821543"/>
+            <a:off x="7479507" y="1209884"/>
             <a:ext cx="815348" cy="815348"/>
           </a:xfrm>
           <a:prstGeom prst="rect">
@@ -4614,7 +4566,7 @@
         </p:nvSpPr>
         <p:spPr>
           <a:xfrm>
-            <a:off x="1704744" y="3747891"/>
+            <a:off x="1710639" y="3153046"/>
             <a:ext cx="1572493" cy="248153"/>
           </a:xfrm>
           <a:prstGeom prst="leftRightArrow">
@@ -4660,7 +4612,53 @@
         </p:nvSpPr>
         <p:spPr>
           <a:xfrm>
-            <a:off x="4712835" y="3764707"/>
+            <a:off x="4804355" y="3176424"/>
+            <a:ext cx="2167653" cy="261148"/>
+          </a:xfrm>
+          <a:prstGeom prst="leftRightArrow">
+            <a:avLst/>
+          </a:prstGeom>
+        </p:spPr>
+        <p:style>
+          <a:lnRef idx="2">
+            <a:schemeClr val="accent1">
+              <a:shade val="15000"/>
+            </a:schemeClr>
+          </a:lnRef>
+          <a:fillRef idx="1">
+            <a:schemeClr val="accent1"/>
+          </a:fillRef>
+          <a:effectRef idx="0">
+            <a:schemeClr val="accent1"/>
+          </a:effectRef>
+          <a:fontRef idx="minor">
+            <a:schemeClr val="lt1"/>
+          </a:fontRef>
+        </p:style>
+        <p:txBody>
+          <a:bodyPr rtlCol="0" anchor="ctr"/>
+          <a:lstStyle/>
+          <a:p>
+            <a:pPr algn="ctr"/>
+            <a:endParaRPr lang="en-US"/>
+          </a:p>
+        </p:txBody>
+      </p:sp>
+      <p:sp>
+        <p:nvSpPr>
+          <p:cNvPr id="15" name="Left-Right Arrow 14">
+            <a:extLst>
+              <a:ext uri="{FF2B5EF4-FFF2-40B4-BE49-F238E27FC236}">
+                <a16:creationId xmlns:a16="http://schemas.microsoft.com/office/drawing/2014/main" id="{7042FFB5-ACE0-8A88-D3A3-E81342EC0A02}"/>
+              </a:ext>
+            </a:extLst>
+          </p:cNvPr>
+          <p:cNvSpPr/>
+          <p:nvPr/>
+        </p:nvSpPr>
+        <p:spPr>
+          <a:xfrm rot="19818981">
+            <a:off x="8320556" y="2641932"/>
             <a:ext cx="1892902" cy="248153"/>
           </a:xfrm>
           <a:prstGeom prst="leftRightArrow">
@@ -4694,10 +4692,10 @@
       </p:sp>
       <p:sp>
         <p:nvSpPr>
-          <p:cNvPr id="15" name="Left-Right Arrow 14">
-            <a:extLst>
-              <a:ext uri="{FF2B5EF4-FFF2-40B4-BE49-F238E27FC236}">
-                <a16:creationId xmlns:a16="http://schemas.microsoft.com/office/drawing/2014/main" id="{7042FFB5-ACE0-8A88-D3A3-E81342EC0A02}"/>
+          <p:cNvPr id="16" name="Left-Right Arrow 15">
+            <a:extLst>
+              <a:ext uri="{FF2B5EF4-FFF2-40B4-BE49-F238E27FC236}">
+                <a16:creationId xmlns:a16="http://schemas.microsoft.com/office/drawing/2014/main" id="{5B1B8A86-CD36-E32D-6D95-54BA69432CA8}"/>
               </a:ext>
             </a:extLst>
           </p:cNvPr>
@@ -4705,8 +4703,8 @@
           <p:nvPr/>
         </p:nvSpPr>
         <p:spPr>
-          <a:xfrm rot="19818981">
-            <a:off x="7885659" y="3253591"/>
+          <a:xfrm rot="1181255">
+            <a:off x="8419447" y="3630597"/>
             <a:ext cx="1892902" cy="248153"/>
           </a:xfrm>
           <a:prstGeom prst="leftRightArrow">
@@ -4740,10 +4738,10 @@
       </p:sp>
       <p:sp>
         <p:nvSpPr>
-          <p:cNvPr id="16" name="Left-Right Arrow 15">
-            <a:extLst>
-              <a:ext uri="{FF2B5EF4-FFF2-40B4-BE49-F238E27FC236}">
-                <a16:creationId xmlns:a16="http://schemas.microsoft.com/office/drawing/2014/main" id="{5B1B8A86-CD36-E32D-6D95-54BA69432CA8}"/>
+          <p:cNvPr id="2" name="Multidocument 1">
+            <a:extLst>
+              <a:ext uri="{FF2B5EF4-FFF2-40B4-BE49-F238E27FC236}">
+                <a16:creationId xmlns:a16="http://schemas.microsoft.com/office/drawing/2014/main" id="{EE7B40F0-73EB-50D4-A390-E7CAB74383D9}"/>
               </a:ext>
             </a:extLst>
           </p:cNvPr>
@@ -4751,13 +4749,14 @@
           <p:nvPr/>
         </p:nvSpPr>
         <p:spPr>
-          <a:xfrm rot="1181255">
-            <a:off x="7984550" y="4242256"/>
-            <a:ext cx="1892902" cy="248153"/>
+          <a:xfrm>
+            <a:off x="5049680" y="4594301"/>
+            <a:ext cx="1596438" cy="907470"/>
           </a:xfrm>
-          <a:prstGeom prst="leftRightArrow">
+          <a:prstGeom prst="flowChartMultidocument">
             <a:avLst/>
           </a:prstGeom>
+          <a:noFill/>
         </p:spPr>
         <p:style>
           <a:lnRef idx="2">
@@ -4781,6 +4780,170 @@
           <a:p>
             <a:pPr algn="ctr"/>
             <a:endParaRPr lang="en-US"/>
+          </a:p>
+        </p:txBody>
+      </p:sp>
+      <p:sp>
+        <p:nvSpPr>
+          <p:cNvPr id="3" name="TextBox 2">
+            <a:extLst>
+              <a:ext uri="{FF2B5EF4-FFF2-40B4-BE49-F238E27FC236}">
+                <a16:creationId xmlns:a16="http://schemas.microsoft.com/office/drawing/2014/main" id="{5BA10608-C57D-906A-A357-B35F312C3DCA}"/>
+              </a:ext>
+            </a:extLst>
+          </p:cNvPr>
+          <p:cNvSpPr txBox="1"/>
+          <p:nvPr/>
+        </p:nvSpPr>
+        <p:spPr>
+          <a:xfrm>
+            <a:off x="5046632" y="4798465"/>
+            <a:ext cx="1294693" cy="523220"/>
+          </a:xfrm>
+          <a:prstGeom prst="rect">
+            <a:avLst/>
+          </a:prstGeom>
+          <a:noFill/>
+        </p:spPr>
+        <p:txBody>
+          <a:bodyPr wrap="square" rtlCol="0">
+            <a:spAutoFit/>
+          </a:bodyPr>
+          <a:lstStyle/>
+          <a:p>
+            <a:pPr defTabSz="978408">
+              <a:spcAft>
+                <a:spcPts val="600"/>
+              </a:spcAft>
+            </a:pPr>
+            <a:r>
+              <a:rPr lang="en-US" sz="1400" kern="1200" dirty="0">
+                <a:solidFill>
+                  <a:schemeClr val="tx1"/>
+                </a:solidFill>
+                <a:latin typeface="+mn-lt"/>
+                <a:ea typeface="+mn-ea"/>
+                <a:cs typeface="+mn-cs"/>
+              </a:rPr>
+              <a:t>TrustPolicies</a:t>
+            </a:r>
+            <a:r>
+              <a:rPr lang="en-US" sz="1400" dirty="0"/>
+              <a:t> &amp;</a:t>
+            </a:r>
+            <a:br>
+              <a:rPr lang="en-US" sz="1400" dirty="0"/>
+            </a:br>
+            <a:r>
+              <a:rPr lang="en-US" sz="1400" dirty="0"/>
+              <a:t>T</a:t>
+            </a:r>
+            <a:r>
+              <a:rPr lang="en-US" sz="1400" kern="1200" dirty="0">
+                <a:solidFill>
+                  <a:schemeClr val="tx1"/>
+                </a:solidFill>
+                <a:latin typeface="+mn-lt"/>
+                <a:ea typeface="+mn-ea"/>
+                <a:cs typeface="+mn-cs"/>
+              </a:rPr>
+              <a:t>rustStores</a:t>
+            </a:r>
+            <a:endParaRPr lang="en-US" sz="1400" dirty="0"/>
+          </a:p>
+        </p:txBody>
+      </p:sp>
+      <p:cxnSp>
+        <p:nvCxnSpPr>
+          <p:cNvPr id="18" name="Elbow Connector 17">
+            <a:extLst>
+              <a:ext uri="{FF2B5EF4-FFF2-40B4-BE49-F238E27FC236}">
+                <a16:creationId xmlns:a16="http://schemas.microsoft.com/office/drawing/2014/main" id="{07414BA0-8561-871A-AFA0-9C63902C1153}"/>
+              </a:ext>
+            </a:extLst>
+          </p:cNvPr>
+          <p:cNvCxnSpPr>
+            <a:cxnSpLocks/>
+            <a:stCxn id="2" idx="3"/>
+            <a:endCxn id="11" idx="2"/>
+          </p:cNvCxnSpPr>
+          <p:nvPr/>
+        </p:nvCxnSpPr>
+        <p:spPr>
+          <a:xfrm flipV="1">
+            <a:off x="6646118" y="4390403"/>
+            <a:ext cx="1049751" cy="657633"/>
+          </a:xfrm>
+          <a:prstGeom prst="bentConnector2">
+            <a:avLst/>
+          </a:prstGeom>
+          <a:ln>
+            <a:headEnd type="triangle"/>
+            <a:tailEnd type="triangle"/>
+          </a:ln>
+        </p:spPr>
+        <p:style>
+          <a:lnRef idx="1">
+            <a:schemeClr val="accent1"/>
+          </a:lnRef>
+          <a:fillRef idx="0">
+            <a:schemeClr val="accent1"/>
+          </a:fillRef>
+          <a:effectRef idx="0">
+            <a:schemeClr val="accent1"/>
+          </a:effectRef>
+          <a:fontRef idx="minor">
+            <a:schemeClr val="tx1"/>
+          </a:fontRef>
+        </p:style>
+      </p:cxnSp>
+      <p:sp>
+        <p:nvSpPr>
+          <p:cNvPr id="11" name="TextBox 10">
+            <a:extLst>
+              <a:ext uri="{FF2B5EF4-FFF2-40B4-BE49-F238E27FC236}">
+                <a16:creationId xmlns:a16="http://schemas.microsoft.com/office/drawing/2014/main" id="{788A6BC4-1EC5-B966-EA58-B94B9EC91BC6}"/>
+              </a:ext>
+            </a:extLst>
+          </p:cNvPr>
+          <p:cNvSpPr txBox="1"/>
+          <p:nvPr/>
+        </p:nvSpPr>
+        <p:spPr>
+          <a:xfrm>
+            <a:off x="6615829" y="3990293"/>
+            <a:ext cx="2160079" cy="400110"/>
+          </a:xfrm>
+          <a:prstGeom prst="rect">
+            <a:avLst/>
+          </a:prstGeom>
+          <a:solidFill>
+            <a:schemeClr val="bg1"/>
+          </a:solidFill>
+        </p:spPr>
+        <p:txBody>
+          <a:bodyPr wrap="none" rtlCol="0">
+            <a:spAutoFit/>
+          </a:bodyPr>
+          <a:lstStyle/>
+          <a:p>
+            <a:pPr defTabSz="978408">
+              <a:spcAft>
+                <a:spcPts val="600"/>
+              </a:spcAft>
+            </a:pPr>
+            <a:r>
+              <a:rPr lang="en-US" sz="2000" kern="1200" dirty="0">
+                <a:solidFill>
+                  <a:schemeClr val="tx1"/>
+                </a:solidFill>
+                <a:latin typeface="+mn-lt"/>
+                <a:ea typeface="+mn-ea"/>
+                <a:cs typeface="+mn-cs"/>
+              </a:rPr>
+              <a:t>Nirmata Extension </a:t>
+            </a:r>
+            <a:endParaRPr lang="en-US" sz="2000" dirty="0"/>
           </a:p>
         </p:txBody>
       </p:sp>

--- a/img/kyverno-notation-aws.pptx
+++ b/img/kyverno-notation-aws.pptx
@@ -4080,7 +4080,7 @@
         </p:nvSpPr>
         <p:spPr bwMode="auto">
           <a:xfrm>
-            <a:off x="10071447" y="2629145"/>
+            <a:off x="10361788" y="2487965"/>
             <a:ext cx="1377237" cy="400110"/>
           </a:xfrm>
           <a:prstGeom prst="rect">
@@ -4138,7 +4138,7 @@
         </p:blipFill>
         <p:spPr>
           <a:xfrm>
-            <a:off x="10330174" y="1813797"/>
+            <a:off x="10620515" y="1672617"/>
             <a:ext cx="815348" cy="815348"/>
           </a:xfrm>
           <a:prstGeom prst="rect">
@@ -4162,7 +4162,7 @@
         </p:nvSpPr>
         <p:spPr bwMode="auto">
           <a:xfrm>
-            <a:off x="6408464" y="2025271"/>
+            <a:off x="6698805" y="1884091"/>
             <a:ext cx="2957434" cy="388696"/>
           </a:xfrm>
           <a:prstGeom prst="rect">
@@ -4221,7 +4221,7 @@
         </p:blipFill>
         <p:spPr bwMode="auto">
           <a:xfrm>
-            <a:off x="10361729" y="3564789"/>
+            <a:off x="10652070" y="3423609"/>
             <a:ext cx="815348" cy="815348"/>
           </a:xfrm>
           <a:prstGeom prst="rect">
@@ -4268,7 +4268,7 @@
         </p:nvSpPr>
         <p:spPr bwMode="auto">
           <a:xfrm>
-            <a:off x="10052058" y="4380137"/>
+            <a:off x="10342399" y="4238957"/>
             <a:ext cx="1482457" cy="400110"/>
           </a:xfrm>
           <a:prstGeom prst="rect">
@@ -4328,7 +4328,7 @@
         </p:blipFill>
         <p:spPr bwMode="auto">
           <a:xfrm>
-            <a:off x="3286180" y="2595196"/>
+            <a:off x="4612211" y="2454016"/>
             <a:ext cx="1363855" cy="1363855"/>
           </a:xfrm>
           <a:prstGeom prst="rect">
@@ -4360,8 +4360,8 @@
         </p:nvSpPr>
         <p:spPr>
           <a:xfrm>
-            <a:off x="2748940" y="3962570"/>
-            <a:ext cx="2447337" cy="400110"/>
+            <a:off x="4402130" y="3757262"/>
+            <a:ext cx="1784015" cy="400110"/>
           </a:xfrm>
           <a:prstGeom prst="rect">
             <a:avLst/>
@@ -4388,7 +4388,7 @@
                 <a:ea typeface="+mn-ea"/>
                 <a:cs typeface="+mn-cs"/>
               </a:rPr>
-              <a:t>Kyverno Policy Engine</a:t>
+              <a:t>Kyverno Engine</a:t>
             </a:r>
             <a:endParaRPr lang="en-US" dirty="0"/>
           </a:p>
@@ -4423,8 +4423,8 @@
         </p:blipFill>
         <p:spPr bwMode="auto">
           <a:xfrm>
-            <a:off x="7089343" y="2760308"/>
-            <a:ext cx="1198743" cy="1198743"/>
+            <a:off x="7438422" y="2642728"/>
+            <a:ext cx="1117175" cy="1117175"/>
           </a:xfrm>
           <a:prstGeom prst="rect">
             <a:avLst/>
@@ -4455,8 +4455,8 @@
         </p:nvSpPr>
         <p:spPr>
           <a:xfrm>
-            <a:off x="2620536" y="1703141"/>
-            <a:ext cx="6266985" cy="3905923"/>
+            <a:off x="1627463" y="1561961"/>
+            <a:ext cx="7550399" cy="3957995"/>
           </a:xfrm>
           <a:prstGeom prst="rect">
             <a:avLst/>
@@ -4521,7 +4521,7 @@
         </p:blipFill>
         <p:spPr bwMode="auto">
           <a:xfrm>
-            <a:off x="7479507" y="1209884"/>
+            <a:off x="7769848" y="1068704"/>
             <a:ext cx="815348" cy="815348"/>
           </a:xfrm>
           <a:prstGeom prst="rect">
@@ -4554,10 +4554,10 @@
       </p:pic>
       <p:sp>
         <p:nvSpPr>
-          <p:cNvPr id="13" name="Left-Right Arrow 12">
-            <a:extLst>
-              <a:ext uri="{FF2B5EF4-FFF2-40B4-BE49-F238E27FC236}">
-                <a16:creationId xmlns:a16="http://schemas.microsoft.com/office/drawing/2014/main" id="{49101D6E-8606-A69C-EB74-35B662F05875}"/>
+          <p:cNvPr id="15" name="Left-Right Arrow 14">
+            <a:extLst>
+              <a:ext uri="{FF2B5EF4-FFF2-40B4-BE49-F238E27FC236}">
+                <a16:creationId xmlns:a16="http://schemas.microsoft.com/office/drawing/2014/main" id="{7042FFB5-ACE0-8A88-D3A3-E81342EC0A02}"/>
               </a:ext>
             </a:extLst>
           </p:cNvPr>
@@ -4565,100 +4565,8 @@
           <p:nvPr/>
         </p:nvSpPr>
         <p:spPr>
-          <a:xfrm>
-            <a:off x="1710639" y="3153046"/>
-            <a:ext cx="1572493" cy="248153"/>
-          </a:xfrm>
-          <a:prstGeom prst="leftRightArrow">
-            <a:avLst/>
-          </a:prstGeom>
-        </p:spPr>
-        <p:style>
-          <a:lnRef idx="2">
-            <a:schemeClr val="accent1">
-              <a:shade val="15000"/>
-            </a:schemeClr>
-          </a:lnRef>
-          <a:fillRef idx="1">
-            <a:schemeClr val="accent1"/>
-          </a:fillRef>
-          <a:effectRef idx="0">
-            <a:schemeClr val="accent1"/>
-          </a:effectRef>
-          <a:fontRef idx="minor">
-            <a:schemeClr val="lt1"/>
-          </a:fontRef>
-        </p:style>
-        <p:txBody>
-          <a:bodyPr rtlCol="0" anchor="ctr"/>
-          <a:lstStyle/>
-          <a:p>
-            <a:pPr algn="ctr"/>
-            <a:endParaRPr lang="en-US"/>
-          </a:p>
-        </p:txBody>
-      </p:sp>
-      <p:sp>
-        <p:nvSpPr>
-          <p:cNvPr id="14" name="Left-Right Arrow 13">
-            <a:extLst>
-              <a:ext uri="{FF2B5EF4-FFF2-40B4-BE49-F238E27FC236}">
-                <a16:creationId xmlns:a16="http://schemas.microsoft.com/office/drawing/2014/main" id="{E0EFA9B2-3713-E240-2987-50E77E2BEA49}"/>
-              </a:ext>
-            </a:extLst>
-          </p:cNvPr>
-          <p:cNvSpPr/>
-          <p:nvPr/>
-        </p:nvSpPr>
-        <p:spPr>
-          <a:xfrm>
-            <a:off x="4804355" y="3176424"/>
-            <a:ext cx="2167653" cy="261148"/>
-          </a:xfrm>
-          <a:prstGeom prst="leftRightArrow">
-            <a:avLst/>
-          </a:prstGeom>
-        </p:spPr>
-        <p:style>
-          <a:lnRef idx="2">
-            <a:schemeClr val="accent1">
-              <a:shade val="15000"/>
-            </a:schemeClr>
-          </a:lnRef>
-          <a:fillRef idx="1">
-            <a:schemeClr val="accent1"/>
-          </a:fillRef>
-          <a:effectRef idx="0">
-            <a:schemeClr val="accent1"/>
-          </a:effectRef>
-          <a:fontRef idx="minor">
-            <a:schemeClr val="lt1"/>
-          </a:fontRef>
-        </p:style>
-        <p:txBody>
-          <a:bodyPr rtlCol="0" anchor="ctr"/>
-          <a:lstStyle/>
-          <a:p>
-            <a:pPr algn="ctr"/>
-            <a:endParaRPr lang="en-US"/>
-          </a:p>
-        </p:txBody>
-      </p:sp>
-      <p:sp>
-        <p:nvSpPr>
-          <p:cNvPr id="15" name="Left-Right Arrow 14">
-            <a:extLst>
-              <a:ext uri="{FF2B5EF4-FFF2-40B4-BE49-F238E27FC236}">
-                <a16:creationId xmlns:a16="http://schemas.microsoft.com/office/drawing/2014/main" id="{7042FFB5-ACE0-8A88-D3A3-E81342EC0A02}"/>
-              </a:ext>
-            </a:extLst>
-          </p:cNvPr>
-          <p:cNvSpPr/>
-          <p:nvPr/>
-        </p:nvSpPr>
-        <p:spPr>
           <a:xfrm rot="19818981">
-            <a:off x="8320556" y="2641932"/>
+            <a:off x="8610897" y="2500752"/>
             <a:ext cx="1892902" cy="248153"/>
           </a:xfrm>
           <a:prstGeom prst="leftRightArrow">
@@ -4704,7 +4612,7 @@
         </p:nvSpPr>
         <p:spPr>
           <a:xfrm rot="1181255">
-            <a:off x="8419447" y="3630597"/>
+            <a:off x="8709788" y="3489417"/>
             <a:ext cx="1892902" cy="248153"/>
           </a:xfrm>
           <a:prstGeom prst="leftRightArrow">
@@ -4750,7 +4658,7 @@
         </p:nvSpPr>
         <p:spPr>
           <a:xfrm>
-            <a:off x="5049680" y="4594301"/>
+            <a:off x="7199152" y="4271176"/>
             <a:ext cx="1596438" cy="907470"/>
           </a:xfrm>
           <a:prstGeom prst="flowChartMultidocument">
@@ -4797,7 +4705,7 @@
         </p:nvSpPr>
         <p:spPr>
           <a:xfrm>
-            <a:off x="5046632" y="4798465"/>
+            <a:off x="7285313" y="4475340"/>
             <a:ext cx="1294693" cy="523220"/>
           </a:xfrm>
           <a:prstGeom prst="rect">
@@ -4853,50 +4761,6 @@
           </a:p>
         </p:txBody>
       </p:sp>
-      <p:cxnSp>
-        <p:nvCxnSpPr>
-          <p:cNvPr id="18" name="Elbow Connector 17">
-            <a:extLst>
-              <a:ext uri="{FF2B5EF4-FFF2-40B4-BE49-F238E27FC236}">
-                <a16:creationId xmlns:a16="http://schemas.microsoft.com/office/drawing/2014/main" id="{07414BA0-8561-871A-AFA0-9C63902C1153}"/>
-              </a:ext>
-            </a:extLst>
-          </p:cNvPr>
-          <p:cNvCxnSpPr>
-            <a:cxnSpLocks/>
-            <a:stCxn id="2" idx="3"/>
-            <a:endCxn id="11" idx="2"/>
-          </p:cNvCxnSpPr>
-          <p:nvPr/>
-        </p:nvCxnSpPr>
-        <p:spPr>
-          <a:xfrm flipV="1">
-            <a:off x="6646118" y="4390403"/>
-            <a:ext cx="1049751" cy="657633"/>
-          </a:xfrm>
-          <a:prstGeom prst="bentConnector2">
-            <a:avLst/>
-          </a:prstGeom>
-          <a:ln>
-            <a:headEnd type="triangle"/>
-            <a:tailEnd type="triangle"/>
-          </a:ln>
-        </p:spPr>
-        <p:style>
-          <a:lnRef idx="1">
-            <a:schemeClr val="accent1"/>
-          </a:lnRef>
-          <a:fillRef idx="0">
-            <a:schemeClr val="accent1"/>
-          </a:fillRef>
-          <a:effectRef idx="0">
-            <a:schemeClr val="accent1"/>
-          </a:effectRef>
-          <a:fontRef idx="minor">
-            <a:schemeClr val="tx1"/>
-          </a:fontRef>
-        </p:style>
-      </p:cxnSp>
       <p:sp>
         <p:nvSpPr>
           <p:cNvPr id="11" name="TextBox 10">
@@ -4911,7 +4775,7 @@
         </p:nvSpPr>
         <p:spPr>
           <a:xfrm>
-            <a:off x="6615829" y="3990293"/>
+            <a:off x="6877612" y="3757023"/>
             <a:ext cx="2160079" cy="400110"/>
           </a:xfrm>
           <a:prstGeom prst="rect">
@@ -4944,6 +4808,334 @@
               <a:t>Nirmata Extension </a:t>
             </a:r>
             <a:endParaRPr lang="en-US" sz="2000" dirty="0"/>
+          </a:p>
+        </p:txBody>
+      </p:sp>
+      <p:sp>
+        <p:nvSpPr>
+          <p:cNvPr id="17" name="Multidocument 16">
+            <a:extLst>
+              <a:ext uri="{FF2B5EF4-FFF2-40B4-BE49-F238E27FC236}">
+                <a16:creationId xmlns:a16="http://schemas.microsoft.com/office/drawing/2014/main" id="{0227952B-F80A-850C-7671-F25C7AA28F30}"/>
+              </a:ext>
+            </a:extLst>
+          </p:cNvPr>
+          <p:cNvSpPr/>
+          <p:nvPr/>
+        </p:nvSpPr>
+        <p:spPr>
+          <a:xfrm>
+            <a:off x="4438178" y="4316134"/>
+            <a:ext cx="1596438" cy="907470"/>
+          </a:xfrm>
+          <a:prstGeom prst="flowChartMultidocument">
+            <a:avLst/>
+          </a:prstGeom>
+          <a:noFill/>
+        </p:spPr>
+        <p:style>
+          <a:lnRef idx="2">
+            <a:schemeClr val="accent1">
+              <a:shade val="15000"/>
+            </a:schemeClr>
+          </a:lnRef>
+          <a:fillRef idx="1">
+            <a:schemeClr val="accent1"/>
+          </a:fillRef>
+          <a:effectRef idx="0">
+            <a:schemeClr val="accent1"/>
+          </a:effectRef>
+          <a:fontRef idx="minor">
+            <a:schemeClr val="lt1"/>
+          </a:fontRef>
+        </p:style>
+        <p:txBody>
+          <a:bodyPr rtlCol="0" anchor="ctr"/>
+          <a:lstStyle/>
+          <a:p>
+            <a:pPr algn="ctr"/>
+            <a:endParaRPr lang="en-US"/>
+          </a:p>
+        </p:txBody>
+      </p:sp>
+      <p:sp>
+        <p:nvSpPr>
+          <p:cNvPr id="19" name="TextBox 18">
+            <a:extLst>
+              <a:ext uri="{FF2B5EF4-FFF2-40B4-BE49-F238E27FC236}">
+                <a16:creationId xmlns:a16="http://schemas.microsoft.com/office/drawing/2014/main" id="{05407C7A-7457-5616-6A6B-BEC4991FCE26}"/>
+              </a:ext>
+            </a:extLst>
+          </p:cNvPr>
+          <p:cNvSpPr txBox="1"/>
+          <p:nvPr/>
+        </p:nvSpPr>
+        <p:spPr>
+          <a:xfrm>
+            <a:off x="4456012" y="4598816"/>
+            <a:ext cx="1294693" cy="307777"/>
+          </a:xfrm>
+          <a:prstGeom prst="rect">
+            <a:avLst/>
+          </a:prstGeom>
+          <a:noFill/>
+        </p:spPr>
+        <p:txBody>
+          <a:bodyPr wrap="square" rtlCol="0">
+            <a:spAutoFit/>
+          </a:bodyPr>
+          <a:lstStyle/>
+          <a:p>
+            <a:pPr algn="ctr" defTabSz="978408">
+              <a:spcAft>
+                <a:spcPts val="600"/>
+              </a:spcAft>
+            </a:pPr>
+            <a:r>
+              <a:rPr lang="en-US" sz="1400" kern="1200" dirty="0">
+                <a:solidFill>
+                  <a:schemeClr val="tx1"/>
+                </a:solidFill>
+                <a:latin typeface="+mn-lt"/>
+                <a:ea typeface="+mn-ea"/>
+                <a:cs typeface="+mn-cs"/>
+              </a:rPr>
+              <a:t>Policies</a:t>
+            </a:r>
+            <a:endParaRPr lang="en-US" sz="1400" dirty="0"/>
+          </a:p>
+        </p:txBody>
+      </p:sp>
+      <p:pic>
+        <p:nvPicPr>
+          <p:cNvPr id="21" name="Picture 2">
+            <a:extLst>
+              <a:ext uri="{FF2B5EF4-FFF2-40B4-BE49-F238E27FC236}">
+                <a16:creationId xmlns:a16="http://schemas.microsoft.com/office/drawing/2014/main" id="{D9AFD53D-36E2-09E7-53BE-8C6210E865D2}"/>
+              </a:ext>
+            </a:extLst>
+          </p:cNvPr>
+          <p:cNvPicPr>
+            <a:picLocks noChangeAspect="1" noChangeArrowheads="1"/>
+          </p:cNvPicPr>
+          <p:nvPr/>
+        </p:nvPicPr>
+        <p:blipFill>
+          <a:blip r:embed="rId10">
+            <a:extLst>
+              <a:ext uri="{28A0092B-C50C-407E-A947-70E740481C1C}">
+                <a14:useLocalDpi xmlns:a14="http://schemas.microsoft.com/office/drawing/2010/main" val="0"/>
+              </a:ext>
+            </a:extLst>
+          </a:blip>
+          <a:srcRect/>
+          <a:stretch>
+            <a:fillRect/>
+          </a:stretch>
+        </p:blipFill>
+        <p:spPr bwMode="auto">
+          <a:xfrm>
+            <a:off x="2171807" y="2599664"/>
+            <a:ext cx="1069739" cy="1038488"/>
+          </a:xfrm>
+          <a:prstGeom prst="rect">
+            <a:avLst/>
+          </a:prstGeom>
+          <a:noFill/>
+          <a:extLst>
+            <a:ext uri="{909E8E84-426E-40DD-AFC4-6F175D3DCCD1}">
+              <a14:hiddenFill xmlns:a14="http://schemas.microsoft.com/office/drawing/2010/main">
+                <a:solidFill>
+                  <a:srgbClr val="FFFFFF"/>
+                </a:solidFill>
+              </a14:hiddenFill>
+            </a:ext>
+          </a:extLst>
+        </p:spPr>
+      </p:pic>
+      <p:sp>
+        <p:nvSpPr>
+          <p:cNvPr id="22" name="TextBox 21">
+            <a:extLst>
+              <a:ext uri="{FF2B5EF4-FFF2-40B4-BE49-F238E27FC236}">
+                <a16:creationId xmlns:a16="http://schemas.microsoft.com/office/drawing/2014/main" id="{9FA2C443-DFFE-58FE-A40E-55E284DCA002}"/>
+              </a:ext>
+            </a:extLst>
+          </p:cNvPr>
+          <p:cNvSpPr txBox="1"/>
+          <p:nvPr/>
+        </p:nvSpPr>
+        <p:spPr>
+          <a:xfrm>
+            <a:off x="2076064" y="3756171"/>
+            <a:ext cx="1258550" cy="400110"/>
+          </a:xfrm>
+          <a:prstGeom prst="rect">
+            <a:avLst/>
+          </a:prstGeom>
+          <a:noFill/>
+        </p:spPr>
+        <p:txBody>
+          <a:bodyPr wrap="none" rtlCol="0">
+            <a:spAutoFit/>
+          </a:bodyPr>
+          <a:lstStyle/>
+          <a:p>
+            <a:pPr defTabSz="978408">
+              <a:spcAft>
+                <a:spcPts val="600"/>
+              </a:spcAft>
+            </a:pPr>
+            <a:r>
+              <a:rPr lang="en-US" sz="2000" kern="1200" dirty="0">
+                <a:solidFill>
+                  <a:schemeClr val="tx1"/>
+                </a:solidFill>
+                <a:latin typeface="+mn-lt"/>
+                <a:ea typeface="+mn-ea"/>
+                <a:cs typeface="+mn-cs"/>
+              </a:rPr>
+              <a:t>API Server</a:t>
+            </a:r>
+            <a:endParaRPr lang="en-US" dirty="0"/>
+          </a:p>
+        </p:txBody>
+      </p:sp>
+      <p:sp>
+        <p:nvSpPr>
+          <p:cNvPr id="25" name="Left-Right Arrow 24">
+            <a:extLst>
+              <a:ext uri="{FF2B5EF4-FFF2-40B4-BE49-F238E27FC236}">
+                <a16:creationId xmlns:a16="http://schemas.microsoft.com/office/drawing/2014/main" id="{FBDE5564-BDC9-3188-5DEF-90956A1290F8}"/>
+              </a:ext>
+            </a:extLst>
+          </p:cNvPr>
+          <p:cNvSpPr/>
+          <p:nvPr/>
+        </p:nvSpPr>
+        <p:spPr>
+          <a:xfrm>
+            <a:off x="5995924" y="3077028"/>
+            <a:ext cx="1385890" cy="201582"/>
+          </a:xfrm>
+          <a:prstGeom prst="leftRightArrow">
+            <a:avLst/>
+          </a:prstGeom>
+        </p:spPr>
+        <p:style>
+          <a:lnRef idx="2">
+            <a:schemeClr val="accent1">
+              <a:shade val="15000"/>
+            </a:schemeClr>
+          </a:lnRef>
+          <a:fillRef idx="1">
+            <a:schemeClr val="accent1"/>
+          </a:fillRef>
+          <a:effectRef idx="0">
+            <a:schemeClr val="accent1"/>
+          </a:effectRef>
+          <a:fontRef idx="minor">
+            <a:schemeClr val="lt1"/>
+          </a:fontRef>
+        </p:style>
+        <p:txBody>
+          <a:bodyPr rtlCol="0" anchor="ctr"/>
+          <a:lstStyle/>
+          <a:p>
+            <a:pPr algn="ctr"/>
+            <a:endParaRPr lang="en-US"/>
+          </a:p>
+        </p:txBody>
+      </p:sp>
+      <p:sp>
+        <p:nvSpPr>
+          <p:cNvPr id="26" name="Left-Right Arrow 25">
+            <a:extLst>
+              <a:ext uri="{FF2B5EF4-FFF2-40B4-BE49-F238E27FC236}">
+                <a16:creationId xmlns:a16="http://schemas.microsoft.com/office/drawing/2014/main" id="{121F47F4-269F-0B12-CCB2-C8AA4D827B26}"/>
+              </a:ext>
+            </a:extLst>
+          </p:cNvPr>
+          <p:cNvSpPr/>
+          <p:nvPr/>
+        </p:nvSpPr>
+        <p:spPr>
+          <a:xfrm>
+            <a:off x="3299469" y="3077028"/>
+            <a:ext cx="1385890" cy="201582"/>
+          </a:xfrm>
+          <a:prstGeom prst="leftRightArrow">
+            <a:avLst/>
+          </a:prstGeom>
+        </p:spPr>
+        <p:style>
+          <a:lnRef idx="2">
+            <a:schemeClr val="accent1">
+              <a:shade val="15000"/>
+            </a:schemeClr>
+          </a:lnRef>
+          <a:fillRef idx="1">
+            <a:schemeClr val="accent1"/>
+          </a:fillRef>
+          <a:effectRef idx="0">
+            <a:schemeClr val="accent1"/>
+          </a:effectRef>
+          <a:fontRef idx="minor">
+            <a:schemeClr val="lt1"/>
+          </a:fontRef>
+        </p:style>
+        <p:txBody>
+          <a:bodyPr rtlCol="0" anchor="ctr"/>
+          <a:lstStyle/>
+          <a:p>
+            <a:pPr algn="ctr"/>
+            <a:endParaRPr lang="en-US"/>
+          </a:p>
+        </p:txBody>
+      </p:sp>
+      <p:sp>
+        <p:nvSpPr>
+          <p:cNvPr id="27" name="Left-Right Arrow 26">
+            <a:extLst>
+              <a:ext uri="{FF2B5EF4-FFF2-40B4-BE49-F238E27FC236}">
+                <a16:creationId xmlns:a16="http://schemas.microsoft.com/office/drawing/2014/main" id="{C7E50CA8-E6E1-260A-F8FE-49AB61AD1C79}"/>
+              </a:ext>
+            </a:extLst>
+          </p:cNvPr>
+          <p:cNvSpPr/>
+          <p:nvPr/>
+        </p:nvSpPr>
+        <p:spPr>
+          <a:xfrm>
+            <a:off x="760505" y="3077028"/>
+            <a:ext cx="1385890" cy="201582"/>
+          </a:xfrm>
+          <a:prstGeom prst="leftRightArrow">
+            <a:avLst/>
+          </a:prstGeom>
+        </p:spPr>
+        <p:style>
+          <a:lnRef idx="2">
+            <a:schemeClr val="accent1">
+              <a:shade val="15000"/>
+            </a:schemeClr>
+          </a:lnRef>
+          <a:fillRef idx="1">
+            <a:schemeClr val="accent1"/>
+          </a:fillRef>
+          <a:effectRef idx="0">
+            <a:schemeClr val="accent1"/>
+          </a:effectRef>
+          <a:fontRef idx="minor">
+            <a:schemeClr val="lt1"/>
+          </a:fontRef>
+        </p:style>
+        <p:txBody>
+          <a:bodyPr rtlCol="0" anchor="ctr"/>
+          <a:lstStyle/>
+          <a:p>
+            <a:pPr algn="ctr"/>
+            <a:endParaRPr lang="en-US"/>
           </a:p>
         </p:txBody>
       </p:sp>
